--- a/Cognizant/Task 3 - Model Building and Interpretation/Task_3_Model_Building_and_Interpretation.pptx
+++ b/Cognizant/Task 3 - Model Building and Interpretation/Task_3_Model_Building_and_Interpretation.pptx
@@ -7,6 +7,7 @@
   <p:sldIdLst>
     <p:sldId id="256" r:id="rId2"/>
     <p:sldId id="257" r:id="rId3"/>
+    <p:sldId id="258" r:id="rId4"/>
   </p:sldIdLst>
   <p:sldSz cx="12192000" cy="6858000"/>
   <p:notesSz cx="6858000" cy="9144000"/>
@@ -105,6 +106,11 @@
       </a:defRPr>
     </a:lvl9pPr>
   </p:defaultTextStyle>
+  <p:extLst>
+    <p:ext uri="{EFAFB233-063F-42B5-8137-9DF3F51BA10A}">
+      <p15:sldGuideLst xmlns:p15="http://schemas.microsoft.com/office/powerpoint/2012/main"/>
+    </p:ext>
+  </p:extLst>
 </p:presentation>
 </file>
 
@@ -3495,13 +3501,13 @@
   <p:clrMapOvr>
     <a:masterClrMapping/>
   </p:clrMapOvr>
-  <mc:AlternateContent xmlns:mc="http://schemas.openxmlformats.org/markup-compatibility/2006">
-    <mc:Choice xmlns:p15="http://schemas.microsoft.com/office/powerpoint/2012/main" Requires="p15">
+  <mc:AlternateContent xmlns:mc="http://schemas.openxmlformats.org/markup-compatibility/2006" xmlns:p15="http://schemas.microsoft.com/office/powerpoint/2012/main">
+    <mc:Choice Requires="p15">
       <p:transition xmlns:p14="http://schemas.microsoft.com/office/powerpoint/2010/main" spd="slow" p14:dur="3000">
         <p15:prstTrans prst="curtains"/>
       </p:transition>
     </mc:Choice>
-    <mc:Fallback>
+    <mc:Fallback xmlns="">
       <p:transition spd="slow">
         <p:fade/>
       </p:transition>
@@ -3582,6 +3588,190 @@
                                         <p:cTn id="8" dur="1000" fill="hold"/>
                                         <p:tgtEl>
                                           <p:spTgt spid="6"/>
+                                        </p:tgtEl>
+                                        <p:attrNameLst>
+                                          <p:attrName>ppt_y</p:attrName>
+                                        </p:attrNameLst>
+                                      </p:cBhvr>
+                                      <p:tavLst>
+                                        <p:tav tm="0">
+                                          <p:val>
+                                            <p:strVal val="1+#ppt_h/2"/>
+                                          </p:val>
+                                        </p:tav>
+                                        <p:tav tm="100000">
+                                          <p:val>
+                                            <p:strVal val="#ppt_y"/>
+                                          </p:val>
+                                        </p:tav>
+                                      </p:tavLst>
+                                    </p:anim>
+                                  </p:childTnLst>
+                                </p:cTn>
+                              </p:par>
+                            </p:childTnLst>
+                          </p:cTn>
+                        </p:par>
+                      </p:childTnLst>
+                    </p:cTn>
+                  </p:par>
+                </p:childTnLst>
+              </p:cTn>
+              <p:prevCondLst>
+                <p:cond evt="onPrev" delay="0">
+                  <p:tgtEl>
+                    <p:sldTgt/>
+                  </p:tgtEl>
+                </p:cond>
+              </p:prevCondLst>
+              <p:nextCondLst>
+                <p:cond evt="onNext" delay="0">
+                  <p:tgtEl>
+                    <p:sldTgt/>
+                  </p:tgtEl>
+                </p:cond>
+              </p:nextCondLst>
+            </p:seq>
+          </p:childTnLst>
+        </p:cTn>
+      </p:par>
+    </p:tnLst>
+  </p:timing>
+</p:sld>
+</file>
+
+<file path=ppt/slides/slide3.xml><?xml version="1.0" encoding="utf-8"?>
+<p:sld xmlns:a="http://schemas.openxmlformats.org/drawingml/2006/main" xmlns:r="http://schemas.openxmlformats.org/officeDocument/2006/relationships" xmlns:p="http://schemas.openxmlformats.org/presentationml/2006/main">
+  <p:cSld>
+    <p:spTree>
+      <p:nvGrpSpPr>
+        <p:cNvPr id="1" name=""/>
+        <p:cNvGrpSpPr/>
+        <p:nvPr/>
+      </p:nvGrpSpPr>
+      <p:grpSpPr>
+        <a:xfrm>
+          <a:off x="0" y="0"/>
+          <a:ext cx="0" cy="0"/>
+          <a:chOff x="0" y="0"/>
+          <a:chExt cx="0" cy="0"/>
+        </a:xfrm>
+      </p:grpSpPr>
+      <p:pic>
+        <p:nvPicPr>
+          <p:cNvPr id="3" name="Picture 2">
+            <a:extLst>
+              <a:ext uri="{FF2B5EF4-FFF2-40B4-BE49-F238E27FC236}">
+                <a16:creationId xmlns:a16="http://schemas.microsoft.com/office/drawing/2014/main" id="{DF6C8381-2F15-223B-832E-A225178AE7DE}"/>
+              </a:ext>
+            </a:extLst>
+          </p:cNvPr>
+          <p:cNvPicPr>
+            <a:picLocks noChangeAspect="1"/>
+          </p:cNvPicPr>
+          <p:nvPr/>
+        </p:nvPicPr>
+        <p:blipFill>
+          <a:blip r:embed="rId2"/>
+          <a:stretch>
+            <a:fillRect/>
+          </a:stretch>
+        </p:blipFill>
+        <p:spPr>
+          <a:xfrm>
+            <a:off x="6342" y="0"/>
+            <a:ext cx="12179316" cy="6858000"/>
+          </a:xfrm>
+          <a:prstGeom prst="rect">
+            <a:avLst/>
+          </a:prstGeom>
+        </p:spPr>
+      </p:pic>
+    </p:spTree>
+    <p:extLst>
+      <p:ext uri="{BB962C8B-B14F-4D97-AF65-F5344CB8AC3E}">
+        <p14:creationId xmlns:p14="http://schemas.microsoft.com/office/powerpoint/2010/main" val="1370016439"/>
+      </p:ext>
+    </p:extLst>
+  </p:cSld>
+  <p:clrMapOvr>
+    <a:masterClrMapping/>
+  </p:clrMapOvr>
+  <p:timing>
+    <p:tnLst>
+      <p:par>
+        <p:cTn id="1" dur="indefinite" restart="never" nodeType="tmRoot">
+          <p:childTnLst>
+            <p:seq concurrent="1" nextAc="seek">
+              <p:cTn id="2" dur="indefinite" nodeType="mainSeq">
+                <p:childTnLst>
+                  <p:par>
+                    <p:cTn id="3" fill="hold">
+                      <p:stCondLst>
+                        <p:cond delay="indefinite"/>
+                        <p:cond evt="onBegin" delay="0">
+                          <p:tn val="2"/>
+                        </p:cond>
+                      </p:stCondLst>
+                      <p:childTnLst>
+                        <p:par>
+                          <p:cTn id="4" fill="hold">
+                            <p:stCondLst>
+                              <p:cond delay="0"/>
+                            </p:stCondLst>
+                            <p:childTnLst>
+                              <p:par>
+                                <p:cTn id="5" presetID="2" presetClass="entr" presetSubtype="4" fill="hold" nodeType="afterEffect">
+                                  <p:stCondLst>
+                                    <p:cond delay="0"/>
+                                  </p:stCondLst>
+                                  <p:childTnLst>
+                                    <p:set>
+                                      <p:cBhvr>
+                                        <p:cTn id="6" dur="1" fill="hold">
+                                          <p:stCondLst>
+                                            <p:cond delay="0"/>
+                                          </p:stCondLst>
+                                        </p:cTn>
+                                        <p:tgtEl>
+                                          <p:spTgt spid="3"/>
+                                        </p:tgtEl>
+                                        <p:attrNameLst>
+                                          <p:attrName>style.visibility</p:attrName>
+                                        </p:attrNameLst>
+                                      </p:cBhvr>
+                                      <p:to>
+                                        <p:strVal val="visible"/>
+                                      </p:to>
+                                    </p:set>
+                                    <p:anim calcmode="lin" valueType="num">
+                                      <p:cBhvr additive="base">
+                                        <p:cTn id="7" dur="500" fill="hold"/>
+                                        <p:tgtEl>
+                                          <p:spTgt spid="3"/>
+                                        </p:tgtEl>
+                                        <p:attrNameLst>
+                                          <p:attrName>ppt_x</p:attrName>
+                                        </p:attrNameLst>
+                                      </p:cBhvr>
+                                      <p:tavLst>
+                                        <p:tav tm="0">
+                                          <p:val>
+                                            <p:strVal val="#ppt_x"/>
+                                          </p:val>
+                                        </p:tav>
+                                        <p:tav tm="100000">
+                                          <p:val>
+                                            <p:strVal val="#ppt_x"/>
+                                          </p:val>
+                                        </p:tav>
+                                      </p:tavLst>
+                                    </p:anim>
+                                    <p:anim calcmode="lin" valueType="num">
+                                      <p:cBhvr additive="base">
+                                        <p:cTn id="8" dur="500" fill="hold"/>
+                                        <p:tgtEl>
+                                          <p:spTgt spid="3"/>
                                         </p:tgtEl>
                                         <p:attrNameLst>
                                           <p:attrName>ppt_y</p:attrName>

--- a/Cognizant/Task 3 - Model Building and Interpretation/Task_3_Model_Building_and_Interpretation.pptx
+++ b/Cognizant/Task 3 - Model Building and Interpretation/Task_3_Model_Building_and_Interpretation.pptx
@@ -245,7 +245,7 @@
           <a:p>
             <a:fld id="{D4196071-E8B6-4F6A-B453-008B7536272E}" type="datetimeFigureOut">
               <a:rPr lang="en-US" smtClean="0"/>
-              <a:t>8/3/2023</a:t>
+              <a:t>1/10/2024</a:t>
             </a:fld>
             <a:endParaRPr lang="en-US"/>
           </a:p>
@@ -415,7 +415,7 @@
           <a:p>
             <a:fld id="{D4196071-E8B6-4F6A-B453-008B7536272E}" type="datetimeFigureOut">
               <a:rPr lang="en-US" smtClean="0"/>
-              <a:t>8/3/2023</a:t>
+              <a:t>1/10/2024</a:t>
             </a:fld>
             <a:endParaRPr lang="en-US"/>
           </a:p>
@@ -595,7 +595,7 @@
           <a:p>
             <a:fld id="{D4196071-E8B6-4F6A-B453-008B7536272E}" type="datetimeFigureOut">
               <a:rPr lang="en-US" smtClean="0"/>
-              <a:t>8/3/2023</a:t>
+              <a:t>1/10/2024</a:t>
             </a:fld>
             <a:endParaRPr lang="en-US"/>
           </a:p>
@@ -765,7 +765,7 @@
           <a:p>
             <a:fld id="{D4196071-E8B6-4F6A-B453-008B7536272E}" type="datetimeFigureOut">
               <a:rPr lang="en-US" smtClean="0"/>
-              <a:t>8/3/2023</a:t>
+              <a:t>1/10/2024</a:t>
             </a:fld>
             <a:endParaRPr lang="en-US"/>
           </a:p>
@@ -1011,7 +1011,7 @@
           <a:p>
             <a:fld id="{D4196071-E8B6-4F6A-B453-008B7536272E}" type="datetimeFigureOut">
               <a:rPr lang="en-US" smtClean="0"/>
-              <a:t>8/3/2023</a:t>
+              <a:t>1/10/2024</a:t>
             </a:fld>
             <a:endParaRPr lang="en-US"/>
           </a:p>
@@ -1243,7 +1243,7 @@
           <a:p>
             <a:fld id="{D4196071-E8B6-4F6A-B453-008B7536272E}" type="datetimeFigureOut">
               <a:rPr lang="en-US" smtClean="0"/>
-              <a:t>8/3/2023</a:t>
+              <a:t>1/10/2024</a:t>
             </a:fld>
             <a:endParaRPr lang="en-US"/>
           </a:p>
@@ -1610,7 +1610,7 @@
           <a:p>
             <a:fld id="{D4196071-E8B6-4F6A-B453-008B7536272E}" type="datetimeFigureOut">
               <a:rPr lang="en-US" smtClean="0"/>
-              <a:t>8/3/2023</a:t>
+              <a:t>1/10/2024</a:t>
             </a:fld>
             <a:endParaRPr lang="en-US"/>
           </a:p>
@@ -1728,7 +1728,7 @@
           <a:p>
             <a:fld id="{D4196071-E8B6-4F6A-B453-008B7536272E}" type="datetimeFigureOut">
               <a:rPr lang="en-US" smtClean="0"/>
-              <a:t>8/3/2023</a:t>
+              <a:t>1/10/2024</a:t>
             </a:fld>
             <a:endParaRPr lang="en-US"/>
           </a:p>
@@ -1823,7 +1823,7 @@
           <a:p>
             <a:fld id="{D4196071-E8B6-4F6A-B453-008B7536272E}" type="datetimeFigureOut">
               <a:rPr lang="en-US" smtClean="0"/>
-              <a:t>8/3/2023</a:t>
+              <a:t>1/10/2024</a:t>
             </a:fld>
             <a:endParaRPr lang="en-US"/>
           </a:p>
@@ -2100,7 +2100,7 @@
           <a:p>
             <a:fld id="{D4196071-E8B6-4F6A-B453-008B7536272E}" type="datetimeFigureOut">
               <a:rPr lang="en-US" smtClean="0"/>
-              <a:t>8/3/2023</a:t>
+              <a:t>1/10/2024</a:t>
             </a:fld>
             <a:endParaRPr lang="en-US"/>
           </a:p>
@@ -2357,7 +2357,7 @@
           <a:p>
             <a:fld id="{D4196071-E8B6-4F6A-B453-008B7536272E}" type="datetimeFigureOut">
               <a:rPr lang="en-US" smtClean="0"/>
-              <a:t>8/3/2023</a:t>
+              <a:t>1/10/2024</a:t>
             </a:fld>
             <a:endParaRPr lang="en-US"/>
           </a:p>
@@ -2570,7 +2570,7 @@
           <a:p>
             <a:fld id="{D4196071-E8B6-4F6A-B453-008B7536272E}" type="datetimeFigureOut">
               <a:rPr lang="en-US" smtClean="0"/>
-              <a:t>8/3/2023</a:t>
+              <a:t>1/10/2024</a:t>
             </a:fld>
             <a:endParaRPr lang="en-US"/>
           </a:p>
@@ -3416,15 +3416,7 @@
             </a:pPr>
             <a:r>
               <a:rPr lang="en-US" dirty="0"/>
-              <a:t>The important features to predict the stock levels are: </a:t>
-            </a:r>
-            <a:r>
-              <a:rPr lang="en-US" dirty="0" err="1"/>
-              <a:t>unit_price</a:t>
-            </a:r>
-            <a:r>
-              <a:rPr lang="en-US" dirty="0"/>
-              <a:t>, temperature, hour, quantity, date, day.</a:t>
+              <a:t>The important features to predict the stock levels are: unit_price, temperature, hour, quantity, date, day.</a:t>
             </a:r>
           </a:p>
           <a:p>
@@ -3434,23 +3426,7 @@
             </a:pPr>
             <a:r>
               <a:rPr lang="en-US" dirty="0"/>
-              <a:t>Other features like category, </a:t>
-            </a:r>
-            <a:r>
-              <a:rPr lang="en-US" dirty="0" err="1"/>
-              <a:t>customer_type</a:t>
-            </a:r>
-            <a:r>
-              <a:rPr lang="en-US" dirty="0"/>
-              <a:t> and </a:t>
-            </a:r>
-            <a:r>
-              <a:rPr lang="en-US" dirty="0" err="1"/>
-              <a:t>payment_type</a:t>
-            </a:r>
-            <a:r>
-              <a:rPr lang="en-US" dirty="0"/>
-              <a:t> are not that important to predict stock levels.</a:t>
+              <a:t>Other features like category, customer_type and payment_type are not that important to predict stock levels.</a:t>
             </a:r>
           </a:p>
           <a:p>
@@ -3470,23 +3446,7 @@
             </a:pPr>
             <a:r>
               <a:rPr lang="en-US" dirty="0"/>
-              <a:t>With Random Forest Regressor: </a:t>
-            </a:r>
-            <a:r>
-              <a:rPr lang="en-US" dirty="0" err="1"/>
-              <a:t>mean_squared_error</a:t>
-            </a:r>
-            <a:r>
-              <a:rPr lang="en-US" dirty="0"/>
-              <a:t> = 0.0023 (train data) &amp; </a:t>
-            </a:r>
-            <a:r>
-              <a:rPr lang="en-US" dirty="0" err="1"/>
-              <a:t>mean_squared_error</a:t>
-            </a:r>
-            <a:r>
-              <a:rPr lang="en-US" dirty="0"/>
-              <a:t> = 0.0069 (test data)</a:t>
+              <a:t>With Random Forest Regressor: mean_squared_error = 0.0023 (train data) &amp; mean_squared_error = 0.0069 (test data)</a:t>
             </a:r>
           </a:p>
         </p:txBody>
